--- a/media_16.pptx
+++ b/media_16.pptx
@@ -5,7 +5,7 @@
     <p:sldMasterId id="2147483780" r:id="rId1"/>
   </p:sldMasterIdLst>
   <p:notesMasterIdLst>
-    <p:notesMasterId r:id="rId8"/>
+    <p:notesMasterId r:id="rId11"/>
   </p:notesMasterIdLst>
   <p:sldIdLst>
     <p:sldId id="260" r:id="rId2"/>
@@ -14,6 +14,9 @@
     <p:sldId id="261" r:id="rId5"/>
     <p:sldId id="259" r:id="rId6"/>
     <p:sldId id="262" r:id="rId7"/>
+    <p:sldId id="263" r:id="rId8"/>
+    <p:sldId id="264" r:id="rId9"/>
+    <p:sldId id="265" r:id="rId10"/>
   </p:sldIdLst>
   <p:sldSz cx="12192000" cy="6858000"/>
   <p:notesSz cx="6858000" cy="9144000"/>
@@ -114,7 +117,7 @@
   </p:defaultTextStyle>
   <p:extLst>
     <p:ext uri="{EFAFB233-063F-42B5-8137-9DF3F51BA10A}">
-      <p15:sldGuideLst xmlns:p15="http://schemas.microsoft.com/office/powerpoint/2012/main">
+      <p15:sldGuideLst xmlns:p15="http://schemas.microsoft.com/office/powerpoint/2012/main" xmlns="">
         <p15:guide id="1" orient="horz" pos="2160" userDrawn="1">
           <p15:clr>
             <a:srgbClr val="A4A3A4"/>
@@ -213,7 +216,7 @@
           <a:p>
             <a:fld id="{3B417753-F505-4C49-ADEE-88B693B9E566}" type="datetimeFigureOut">
               <a:rPr kumimoji="1" lang="ja-JP" altLang="en-US" smtClean="0"/>
-              <a:t>2018/1/24</a:t>
+              <a:t>18/01/24</a:t>
             </a:fld>
             <a:endParaRPr kumimoji="1" lang="ja-JP" altLang="en-US"/>
           </a:p>
@@ -728,7 +731,7 @@
           <a:p>
             <a:fld id="{B2F271BE-01BC-F649-AE65-C87C981C00D0}" type="datetimeFigureOut">
               <a:rPr kumimoji="1" lang="ja-JP" altLang="en-US" smtClean="0"/>
-              <a:t>2018/1/24</a:t>
+              <a:t>18/01/24</a:t>
             </a:fld>
             <a:endParaRPr kumimoji="1" lang="ja-JP" altLang="en-US"/>
           </a:p>
@@ -786,7 +789,7 @@
 
 <file path=ppt/slideLayouts/slideLayout10.xml><?xml version="1.0" encoding="utf-8"?>
 <p:sldLayout xmlns:a="http://schemas.openxmlformats.org/drawingml/2006/main" xmlns:r="http://schemas.openxmlformats.org/officeDocument/2006/relationships" xmlns:p="http://schemas.openxmlformats.org/presentationml/2006/main" type="vertTx" preserve="1">
-  <p:cSld name="タイトルと&#13;&#10;縦書きテキスト">
+  <p:cSld name="タイトルと&#10;縦書きテキスト">
     <p:spTree>
       <p:nvGrpSpPr>
         <p:cNvPr id="1" name=""/>
@@ -925,7 +928,7 @@
           <a:p>
             <a:fld id="{B2F271BE-01BC-F649-AE65-C87C981C00D0}" type="datetimeFigureOut">
               <a:rPr kumimoji="1" lang="ja-JP" altLang="en-US" smtClean="0"/>
-              <a:t>2018/1/24</a:t>
+              <a:t>18/01/24</a:t>
             </a:fld>
             <a:endParaRPr kumimoji="1" lang="ja-JP" altLang="en-US"/>
           </a:p>
@@ -1132,7 +1135,7 @@
           <a:p>
             <a:fld id="{B2F271BE-01BC-F649-AE65-C87C981C00D0}" type="datetimeFigureOut">
               <a:rPr kumimoji="1" lang="ja-JP" altLang="en-US" smtClean="0"/>
-              <a:t>2018/1/24</a:t>
+              <a:t>18/01/24</a:t>
             </a:fld>
             <a:endParaRPr kumimoji="1" lang="ja-JP" altLang="en-US"/>
           </a:p>
@@ -1329,7 +1332,7 @@
           <a:p>
             <a:fld id="{B2F271BE-01BC-F649-AE65-C87C981C00D0}" type="datetimeFigureOut">
               <a:rPr kumimoji="1" lang="ja-JP" altLang="en-US" smtClean="0"/>
-              <a:t>2018/1/24</a:t>
+              <a:t>18/01/24</a:t>
             </a:fld>
             <a:endParaRPr kumimoji="1" lang="ja-JP" altLang="en-US"/>
           </a:p>
@@ -1570,7 +1573,7 @@
           <a:p>
             <a:fld id="{B2F271BE-01BC-F649-AE65-C87C981C00D0}" type="datetimeFigureOut">
               <a:rPr kumimoji="1" lang="ja-JP" altLang="en-US" smtClean="0"/>
-              <a:t>2018/1/24</a:t>
+              <a:t>18/01/24</a:t>
             </a:fld>
             <a:endParaRPr kumimoji="1" lang="ja-JP" altLang="en-US"/>
           </a:p>
@@ -1861,7 +1864,7 @@
           <a:p>
             <a:fld id="{B2F271BE-01BC-F649-AE65-C87C981C00D0}" type="datetimeFigureOut">
               <a:rPr kumimoji="1" lang="ja-JP" altLang="en-US" smtClean="0"/>
-              <a:t>2018/1/24</a:t>
+              <a:t>18/01/24</a:t>
             </a:fld>
             <a:endParaRPr kumimoji="1" lang="ja-JP" altLang="en-US"/>
           </a:p>
@@ -2287,7 +2290,7 @@
           <a:p>
             <a:fld id="{B2F271BE-01BC-F649-AE65-C87C981C00D0}" type="datetimeFigureOut">
               <a:rPr kumimoji="1" lang="ja-JP" altLang="en-US" smtClean="0"/>
-              <a:t>2018/1/24</a:t>
+              <a:t>18/01/24</a:t>
             </a:fld>
             <a:endParaRPr kumimoji="1" lang="ja-JP" altLang="en-US"/>
           </a:p>
@@ -2400,7 +2403,7 @@
           <a:p>
             <a:fld id="{B2F271BE-01BC-F649-AE65-C87C981C00D0}" type="datetimeFigureOut">
               <a:rPr kumimoji="1" lang="ja-JP" altLang="en-US" smtClean="0"/>
-              <a:t>2018/1/24</a:t>
+              <a:t>18/01/24</a:t>
             </a:fld>
             <a:endParaRPr kumimoji="1" lang="ja-JP" altLang="en-US"/>
           </a:p>
@@ -2490,7 +2493,7 @@
           <a:p>
             <a:fld id="{B2F271BE-01BC-F649-AE65-C87C981C00D0}" type="datetimeFigureOut">
               <a:rPr kumimoji="1" lang="ja-JP" altLang="en-US" smtClean="0"/>
-              <a:t>2018/1/24</a:t>
+              <a:t>18/01/24</a:t>
             </a:fld>
             <a:endParaRPr kumimoji="1" lang="ja-JP" altLang="en-US"/>
           </a:p>
@@ -2548,7 +2551,7 @@
 
 <file path=ppt/slideLayouts/slideLayout8.xml><?xml version="1.0" encoding="utf-8"?>
 <p:sldLayout xmlns:a="http://schemas.openxmlformats.org/drawingml/2006/main" xmlns:r="http://schemas.openxmlformats.org/officeDocument/2006/relationships" xmlns:p="http://schemas.openxmlformats.org/presentationml/2006/main" type="objTx" preserve="1">
-  <p:cSld name="タイトル付きの&#13;&#10;コンテンツ">
+  <p:cSld name="タイトル付きの&#10;コンテンツ">
     <p:spTree>
       <p:nvGrpSpPr>
         <p:cNvPr id="1" name=""/>
@@ -2794,7 +2797,7 @@
           <a:p>
             <a:fld id="{B2F271BE-01BC-F649-AE65-C87C981C00D0}" type="datetimeFigureOut">
               <a:rPr kumimoji="1" lang="ja-JP" altLang="en-US" smtClean="0"/>
-              <a:t>2018/1/24</a:t>
+              <a:t>18/01/24</a:t>
             </a:fld>
             <a:endParaRPr kumimoji="1" lang="ja-JP" altLang="en-US"/>
           </a:p>
@@ -3046,7 +3049,7 @@
           <a:p>
             <a:fld id="{B2F271BE-01BC-F649-AE65-C87C981C00D0}" type="datetimeFigureOut">
               <a:rPr kumimoji="1" lang="ja-JP" altLang="en-US" smtClean="0"/>
-              <a:t>2018/1/24</a:t>
+              <a:t>18/01/24</a:t>
             </a:fld>
             <a:endParaRPr kumimoji="1" lang="ja-JP" altLang="en-US"/>
           </a:p>
@@ -3286,7 +3289,7 @@
           <a:p>
             <a:fld id="{B2F271BE-01BC-F649-AE65-C87C981C00D0}" type="datetimeFigureOut">
               <a:rPr kumimoji="1" lang="ja-JP" altLang="en-US" smtClean="0"/>
-              <a:t>2018/1/24</a:t>
+              <a:t>18/01/24</a:t>
             </a:fld>
             <a:endParaRPr kumimoji="1" lang="ja-JP" altLang="en-US"/>
           </a:p>
@@ -3704,7 +3707,7 @@
   <p:timing>
     <p:tnLst>
       <p:par>
-        <p:cTn id="1" dur="indefinite" restart="never" nodeType="tmRoot"/>
+        <p:cTn xmlns:p14="http://schemas.microsoft.com/office/powerpoint/2010/main" id="1" dur="indefinite" restart="never" nodeType="tmRoot"/>
       </p:par>
     </p:tnLst>
   </p:timing>
@@ -4027,13 +4030,13 @@
   <p:clrMapOvr>
     <a:masterClrMapping/>
   </p:clrMapOvr>
-  <mc:AlternateContent xmlns:mc="http://schemas.openxmlformats.org/markup-compatibility/2006">
-    <mc:Choice xmlns:p14="http://schemas.microsoft.com/office/powerpoint/2010/main" Requires="p14">
+  <mc:AlternateContent xmlns:mc="http://schemas.openxmlformats.org/markup-compatibility/2006" xmlns:p14="http://schemas.microsoft.com/office/powerpoint/2010/main">
+    <mc:Choice Requires="p14">
       <p:transition spd="med" p14:dur="700">
         <p:fade/>
       </p:transition>
     </mc:Choice>
-    <mc:Fallback>
+    <mc:Fallback xmlns="">
       <p:transition spd="med">
         <p:fade/>
       </p:transition>
@@ -4042,7 +4045,7 @@
   <p:timing>
     <p:tnLst>
       <p:par>
-        <p:cTn id="1" dur="indefinite" restart="never" nodeType="tmRoot"/>
+        <p:cTn xmlns:p14="http://schemas.microsoft.com/office/powerpoint/2010/main" id="1" dur="indefinite" restart="never" nodeType="tmRoot"/>
       </p:par>
     </p:tnLst>
   </p:timing>
@@ -4139,18 +4142,18 @@
   <p:clrMapOvr>
     <a:masterClrMapping/>
   </p:clrMapOvr>
-  <mc:AlternateContent xmlns:mc="http://schemas.openxmlformats.org/markup-compatibility/2006">
-    <mc:Choice xmlns:p14="http://schemas.microsoft.com/office/powerpoint/2010/main" Requires="p14">
+  <mc:AlternateContent xmlns:mc="http://schemas.openxmlformats.org/markup-compatibility/2006" xmlns:p14="http://schemas.microsoft.com/office/powerpoint/2010/main">
+    <mc:Choice Requires="p14">
       <p:transition p14:dur="0"/>
     </mc:Choice>
-    <mc:Fallback>
+    <mc:Fallback xmlns="">
       <p:transition/>
     </mc:Fallback>
   </mc:AlternateContent>
   <p:timing>
     <p:tnLst>
       <p:par>
-        <p:cTn id="1" dur="indefinite" restart="never" nodeType="tmRoot">
+        <p:cTn xmlns:p14="http://schemas.microsoft.com/office/powerpoint/2010/main" id="1" dur="indefinite" restart="never" nodeType="tmRoot">
           <p:childTnLst>
             <p:seq concurrent="1" nextAc="seek">
               <p:cTn id="2" dur="indefinite" nodeType="mainSeq">
@@ -4425,18 +4428,18 @@
   <p:clrMapOvr>
     <a:masterClrMapping/>
   </p:clrMapOvr>
-  <mc:AlternateContent xmlns:mc="http://schemas.openxmlformats.org/markup-compatibility/2006">
-    <mc:Choice xmlns:p14="http://schemas.microsoft.com/office/powerpoint/2010/main" Requires="p14">
+  <mc:AlternateContent xmlns:mc="http://schemas.openxmlformats.org/markup-compatibility/2006" xmlns:p14="http://schemas.microsoft.com/office/powerpoint/2010/main">
+    <mc:Choice Requires="p14">
       <p:transition p14:dur="0"/>
     </mc:Choice>
-    <mc:Fallback>
+    <mc:Fallback xmlns="">
       <p:transition/>
     </mc:Fallback>
   </mc:AlternateContent>
   <p:timing>
     <p:tnLst>
       <p:par>
-        <p:cTn id="1" dur="indefinite" restart="never" nodeType="tmRoot">
+        <p:cTn xmlns:p14="http://schemas.microsoft.com/office/powerpoint/2010/main" id="1" dur="indefinite" restart="never" nodeType="tmRoot">
           <p:childTnLst>
             <p:seq concurrent="1" nextAc="seek">
               <p:cTn id="2" dur="indefinite" nodeType="mainSeq">
@@ -4791,13 +4794,13 @@
   <p:clrMapOvr>
     <a:masterClrMapping/>
   </p:clrMapOvr>
-  <p:transition spd="slow">
+  <p:transition xmlns:p14="http://schemas.microsoft.com/office/powerpoint/2010/main" spd="slow">
     <p:wipe/>
   </p:transition>
   <p:timing>
     <p:tnLst>
       <p:par>
-        <p:cTn id="1" dur="indefinite" restart="never" nodeType="tmRoot">
+        <p:cTn xmlns:p14="http://schemas.microsoft.com/office/powerpoint/2010/main" id="1" dur="indefinite" restart="never" nodeType="tmRoot">
           <p:childTnLst>
             <p:seq concurrent="1" nextAc="seek">
               <p:cTn id="2" dur="indefinite" nodeType="mainSeq">
@@ -5349,7 +5352,7 @@
   <p:timing>
     <p:tnLst>
       <p:par>
-        <p:cTn id="1" dur="indefinite" restart="never" nodeType="tmRoot">
+        <p:cTn xmlns:p14="http://schemas.microsoft.com/office/powerpoint/2010/main" id="1" dur="indefinite" restart="never" nodeType="tmRoot">
           <p:childTnLst>
             <p:seq concurrent="1" nextAc="seek">
               <p:cTn id="2" dur="indefinite" nodeType="mainSeq">
@@ -5481,6 +5484,1139 @@
 </p:sld>
 </file>
 
+<file path=ppt/slides/slide7.xml><?xml version="1.0" encoding="utf-8"?>
+<p:sld xmlns:a="http://schemas.openxmlformats.org/drawingml/2006/main" xmlns:r="http://schemas.openxmlformats.org/officeDocument/2006/relationships" xmlns:p="http://schemas.openxmlformats.org/presentationml/2006/main">
+  <p:cSld>
+    <p:spTree>
+      <p:nvGrpSpPr>
+        <p:cNvPr id="1" name=""/>
+        <p:cNvGrpSpPr/>
+        <p:nvPr/>
+      </p:nvGrpSpPr>
+      <p:grpSpPr>
+        <a:xfrm>
+          <a:off x="0" y="0"/>
+          <a:ext cx="0" cy="0"/>
+          <a:chOff x="0" y="0"/>
+          <a:chExt cx="0" cy="0"/>
+        </a:xfrm>
+      </p:grpSpPr>
+      <p:sp>
+        <p:nvSpPr>
+          <p:cNvPr id="2" name="タイトル 1"/>
+          <p:cNvSpPr>
+            <a:spLocks noGrp="1"/>
+          </p:cNvSpPr>
+          <p:nvPr>
+            <p:ph type="title"/>
+          </p:nvPr>
+        </p:nvSpPr>
+        <p:spPr>
+          <a:xfrm>
+            <a:off x="838200" y="365125"/>
+            <a:ext cx="3529608" cy="1325563"/>
+          </a:xfrm>
+        </p:spPr>
+        <p:txBody>
+          <a:bodyPr/>
+          <a:lstStyle/>
+          <a:p>
+            <a:r>
+              <a:rPr lang="ja-JP" altLang="en-US" b="1" dirty="0">
+                <a:latin typeface="HGS明朝E"/>
+                <a:ea typeface="HGS明朝E"/>
+                <a:cs typeface="HGS明朝E"/>
+              </a:rPr>
+              <a:t>木内担当分：</a:t>
+            </a:r>
+            <a:endParaRPr kumimoji="1" lang="ja-JP" altLang="en-US" dirty="0">
+              <a:latin typeface="HGS明朝E"/>
+              <a:ea typeface="HGS明朝E"/>
+              <a:cs typeface="HGS明朝E"/>
+            </a:endParaRPr>
+          </a:p>
+        </p:txBody>
+      </p:sp>
+      <p:sp>
+        <p:nvSpPr>
+          <p:cNvPr id="3" name="コンテンツ プレースホルダー 2"/>
+          <p:cNvSpPr>
+            <a:spLocks noGrp="1"/>
+          </p:cNvSpPr>
+          <p:nvPr>
+            <p:ph idx="1"/>
+          </p:nvPr>
+        </p:nvSpPr>
+        <p:spPr>
+          <a:xfrm>
+            <a:off x="838200" y="1968501"/>
+            <a:ext cx="7994104" cy="1676523"/>
+          </a:xfrm>
+        </p:spPr>
+        <p:txBody>
+          <a:bodyPr>
+            <a:normAutofit/>
+          </a:bodyPr>
+          <a:lstStyle/>
+          <a:p>
+            <a:pPr>
+              <a:buFont typeface="Arial"/>
+              <a:buChar char="•"/>
+            </a:pPr>
+            <a:r>
+              <a:rPr lang="en-US" altLang="ja-JP" sz="2400" b="1" dirty="0" err="1">
+                <a:latin typeface="HGS明朝E"/>
+                <a:ea typeface="HGS明朝E"/>
+                <a:cs typeface="HGS明朝E"/>
+              </a:rPr>
+              <a:t>StartFrameView</a:t>
+            </a:r>
+            <a:r>
+              <a:rPr lang="ja-JP" altLang="en-US" sz="2400" dirty="0">
+                <a:latin typeface="HGS明朝E"/>
+                <a:ea typeface="HGS明朝E"/>
+                <a:cs typeface="HGS明朝E"/>
+              </a:rPr>
+              <a:t>はスタート画面で、</a:t>
+            </a:r>
+            <a:r>
+              <a:rPr lang="en-US" altLang="ja-JP" sz="2400" b="1" dirty="0" err="1">
+                <a:latin typeface="HGS明朝E"/>
+                <a:ea typeface="HGS明朝E"/>
+                <a:cs typeface="HGS明朝E"/>
+              </a:rPr>
+              <a:t>JPanel</a:t>
+            </a:r>
+            <a:r>
+              <a:rPr lang="ja-JP" altLang="en-US" sz="2400" dirty="0">
+                <a:latin typeface="HGS明朝E"/>
+                <a:ea typeface="HGS明朝E"/>
+                <a:cs typeface="HGS明朝E"/>
+              </a:rPr>
+              <a:t>を継承している。</a:t>
+            </a:r>
+            <a:endParaRPr lang="en-US" altLang="ja-JP" sz="2400" dirty="0">
+              <a:latin typeface="HGS明朝E"/>
+              <a:ea typeface="HGS明朝E"/>
+              <a:cs typeface="HGS明朝E"/>
+            </a:endParaRPr>
+          </a:p>
+          <a:p>
+            <a:pPr>
+              <a:buFont typeface="Arial"/>
+              <a:buChar char="•"/>
+            </a:pPr>
+            <a:r>
+              <a:rPr lang="ja-JP" altLang="en-US" sz="2400" dirty="0">
+                <a:latin typeface="HGS明朝E"/>
+                <a:ea typeface="HGS明朝E"/>
+                <a:cs typeface="HGS明朝E"/>
+              </a:rPr>
+              <a:t>上下の矢印で</a:t>
+            </a:r>
+            <a:r>
+              <a:rPr lang="en-US" altLang="ja-JP" sz="2400" b="1" dirty="0">
+                <a:latin typeface="HGS明朝E"/>
+                <a:ea typeface="HGS明朝E"/>
+                <a:cs typeface="HGS明朝E"/>
+              </a:rPr>
+              <a:t>START</a:t>
+            </a:r>
+            <a:r>
+              <a:rPr lang="ja-JP" altLang="en-US" sz="2400" dirty="0">
+                <a:latin typeface="HGS明朝E"/>
+                <a:ea typeface="HGS明朝E"/>
+                <a:cs typeface="HGS明朝E"/>
+              </a:rPr>
+              <a:t>か</a:t>
+            </a:r>
+            <a:r>
+              <a:rPr lang="en-US" altLang="ja-JP" sz="2400" b="1" dirty="0">
+                <a:latin typeface="HGS明朝E"/>
+                <a:ea typeface="HGS明朝E"/>
+                <a:cs typeface="HGS明朝E"/>
+              </a:rPr>
+              <a:t>OPTION</a:t>
+            </a:r>
+            <a:r>
+              <a:rPr lang="ja-JP" altLang="en-US" sz="2400" dirty="0">
+                <a:latin typeface="HGS明朝E"/>
+                <a:ea typeface="HGS明朝E"/>
+                <a:cs typeface="HGS明朝E"/>
+              </a:rPr>
+              <a:t>を選択して</a:t>
+            </a:r>
+            <a:r>
+              <a:rPr lang="en-US" altLang="ja-JP" sz="2400" b="1" dirty="0">
+                <a:latin typeface="HGS明朝E"/>
+                <a:ea typeface="HGS明朝E"/>
+                <a:cs typeface="HGS明朝E"/>
+              </a:rPr>
+              <a:t>ENTER</a:t>
+            </a:r>
+            <a:r>
+              <a:rPr lang="ja-JP" altLang="en-US" sz="2400" dirty="0">
+                <a:latin typeface="HGS明朝E"/>
+                <a:ea typeface="HGS明朝E"/>
+                <a:cs typeface="HGS明朝E"/>
+              </a:rPr>
+              <a:t>で決定し、次のシーン</a:t>
+            </a:r>
+            <a:r>
+              <a:rPr lang="ja-JP" altLang="en-US" sz="2400" dirty="0" smtClean="0">
+                <a:latin typeface="HGS明朝E"/>
+                <a:ea typeface="HGS明朝E"/>
+                <a:cs typeface="HGS明朝E"/>
+              </a:rPr>
+              <a:t>へ</a:t>
+            </a:r>
+            <a:endParaRPr lang="en-US" altLang="ja-JP" sz="2400" dirty="0">
+              <a:latin typeface="HGS明朝E"/>
+              <a:ea typeface="HGS明朝E"/>
+              <a:cs typeface="HGS明朝E"/>
+            </a:endParaRPr>
+          </a:p>
+        </p:txBody>
+      </p:sp>
+      <p:sp>
+        <p:nvSpPr>
+          <p:cNvPr id="4" name="テキスト ボックス 3"/>
+          <p:cNvSpPr txBox="1"/>
+          <p:nvPr/>
+        </p:nvSpPr>
+        <p:spPr>
+          <a:xfrm>
+            <a:off x="4361160" y="349597"/>
+            <a:ext cx="6480720" cy="1661993"/>
+          </a:xfrm>
+          <a:prstGeom prst="rect">
+            <a:avLst/>
+          </a:prstGeom>
+          <a:noFill/>
+        </p:spPr>
+        <p:txBody>
+          <a:bodyPr wrap="square" rtlCol="0">
+            <a:spAutoFit/>
+          </a:bodyPr>
+          <a:lstStyle/>
+          <a:p>
+            <a:r>
+              <a:rPr lang="en-US" altLang="ja-JP" sz="2800" b="1" dirty="0" err="1">
+                <a:latin typeface="HGS明朝E"/>
+                <a:ea typeface="HGS明朝E"/>
+                <a:cs typeface="HGS明朝E"/>
+              </a:rPr>
+              <a:t>StartFrameview,PlayerSelect</a:t>
+            </a:r>
+            <a:r>
+              <a:rPr lang="en-US" altLang="ja-JP" sz="2800" b="1" dirty="0">
+                <a:latin typeface="HGS明朝E"/>
+                <a:ea typeface="HGS明朝E"/>
+                <a:cs typeface="HGS明朝E"/>
+              </a:rPr>
+              <a:t>, </a:t>
+            </a:r>
+            <a:r>
+              <a:rPr lang="en-US" altLang="ja-JP" sz="2800" b="1" dirty="0" err="1">
+                <a:latin typeface="HGS明朝E"/>
+                <a:ea typeface="HGS明朝E"/>
+                <a:cs typeface="HGS明朝E"/>
+              </a:rPr>
+              <a:t>GameTime</a:t>
+            </a:r>
+            <a:r>
+              <a:rPr lang="en-US" altLang="ja-JP" sz="2800" b="1" dirty="0">
+                <a:latin typeface="HGS明朝E"/>
+                <a:ea typeface="HGS明朝E"/>
+                <a:cs typeface="HGS明朝E"/>
+              </a:rPr>
+              <a:t>, </a:t>
+            </a:r>
+            <a:r>
+              <a:rPr lang="en-US" altLang="ja-JP" sz="2800" b="1" dirty="0" err="1">
+                <a:latin typeface="HGS明朝E"/>
+                <a:ea typeface="HGS明朝E"/>
+                <a:cs typeface="HGS明朝E"/>
+              </a:rPr>
+              <a:t>UECFrameView</a:t>
+            </a:r>
+            <a:r>
+              <a:rPr lang="ja-JP" altLang="en-US" sz="2800" b="1" dirty="0">
+                <a:latin typeface="HGS明朝E"/>
+                <a:ea typeface="HGS明朝E"/>
+                <a:cs typeface="HGS明朝E"/>
+              </a:rPr>
+              <a:t>、</a:t>
+            </a:r>
+            <a:r>
+              <a:rPr lang="en-US" altLang="ja-JP" sz="2800" b="1" dirty="0" err="1">
+                <a:latin typeface="HGS明朝E"/>
+                <a:ea typeface="HGS明朝E"/>
+                <a:cs typeface="HGS明朝E"/>
+              </a:rPr>
+              <a:t>UECFighter</a:t>
+            </a:r>
+            <a:r>
+              <a:rPr lang="ja-JP" altLang="en-US" sz="2800" dirty="0">
+                <a:latin typeface="HGS明朝E"/>
+                <a:ea typeface="HGS明朝E"/>
+                <a:cs typeface="HGS明朝E"/>
+              </a:rPr>
+              <a:t>クラスとシーンの</a:t>
+            </a:r>
+            <a:r>
+              <a:rPr lang="ja-JP" altLang="en-US" sz="2800" dirty="0" smtClean="0">
+                <a:latin typeface="HGS明朝E"/>
+                <a:ea typeface="HGS明朝E"/>
+                <a:cs typeface="HGS明朝E"/>
+              </a:rPr>
+              <a:t>遷移</a:t>
+            </a:r>
+            <a:endParaRPr lang="ja-JP" altLang="en-US" sz="2800" dirty="0">
+              <a:latin typeface="HGS明朝E"/>
+              <a:ea typeface="HGS明朝E"/>
+              <a:cs typeface="HGS明朝E"/>
+            </a:endParaRPr>
+          </a:p>
+          <a:p>
+            <a:endParaRPr kumimoji="1" lang="ja-JP" altLang="en-US" dirty="0"/>
+          </a:p>
+        </p:txBody>
+      </p:sp>
+      <p:cxnSp>
+        <p:nvCxnSpPr>
+          <p:cNvPr id="6" name="直線コネクタ 5"/>
+          <p:cNvCxnSpPr/>
+          <p:nvPr/>
+        </p:nvCxnSpPr>
+        <p:spPr>
+          <a:xfrm>
+            <a:off x="0" y="1825625"/>
+            <a:ext cx="12192000" cy="0"/>
+          </a:xfrm>
+          <a:prstGeom prst="line">
+            <a:avLst/>
+          </a:prstGeom>
+          <a:ln w="38100" cmpd="sng"/>
+        </p:spPr>
+        <p:style>
+          <a:lnRef idx="2">
+            <a:schemeClr val="accent1"/>
+          </a:lnRef>
+          <a:fillRef idx="0">
+            <a:schemeClr val="accent1"/>
+          </a:fillRef>
+          <a:effectRef idx="1">
+            <a:schemeClr val="accent1"/>
+          </a:effectRef>
+          <a:fontRef idx="minor">
+            <a:schemeClr val="tx1"/>
+          </a:fontRef>
+        </p:style>
+      </p:cxnSp>
+      <p:pic>
+        <p:nvPicPr>
+          <p:cNvPr id="7" name="図 6" descr="スクリーンショット 2018-01-24 15.33.02.png"/>
+          <p:cNvPicPr>
+            <a:picLocks noChangeAspect="1"/>
+          </p:cNvPicPr>
+          <p:nvPr/>
+        </p:nvPicPr>
+        <p:blipFill>
+          <a:blip r:embed="rId2">
+            <a:extLst>
+              <a:ext uri="{28A0092B-C50C-407E-A947-70E740481C1C}">
+                <a14:useLocalDpi xmlns:a14="http://schemas.microsoft.com/office/drawing/2010/main" val="0"/>
+              </a:ext>
+            </a:extLst>
+          </a:blip>
+          <a:stretch>
+            <a:fillRect/>
+          </a:stretch>
+        </p:blipFill>
+        <p:spPr>
+          <a:xfrm>
+            <a:off x="9120336" y="1412776"/>
+            <a:ext cx="2847785" cy="2375124"/>
+          </a:xfrm>
+          <a:prstGeom prst="rect">
+            <a:avLst/>
+          </a:prstGeom>
+        </p:spPr>
+      </p:pic>
+      <p:pic>
+        <p:nvPicPr>
+          <p:cNvPr id="8" name="図 7" descr="スクリーンショット 2018-01-24 15.33.24.png"/>
+          <p:cNvPicPr>
+            <a:picLocks noChangeAspect="1"/>
+          </p:cNvPicPr>
+          <p:nvPr/>
+        </p:nvPicPr>
+        <p:blipFill>
+          <a:blip r:embed="rId3">
+            <a:extLst>
+              <a:ext uri="{28A0092B-C50C-407E-A947-70E740481C1C}">
+                <a14:useLocalDpi xmlns:a14="http://schemas.microsoft.com/office/drawing/2010/main" val="0"/>
+              </a:ext>
+            </a:extLst>
+          </a:blip>
+          <a:stretch>
+            <a:fillRect/>
+          </a:stretch>
+        </p:blipFill>
+        <p:spPr>
+          <a:xfrm>
+            <a:off x="551384" y="4101526"/>
+            <a:ext cx="3077031" cy="2564904"/>
+          </a:xfrm>
+          <a:prstGeom prst="rect">
+            <a:avLst/>
+          </a:prstGeom>
+        </p:spPr>
+      </p:pic>
+      <p:sp>
+        <p:nvSpPr>
+          <p:cNvPr id="9" name="テキスト ボックス 8"/>
+          <p:cNvSpPr txBox="1"/>
+          <p:nvPr/>
+        </p:nvSpPr>
+        <p:spPr>
+          <a:xfrm>
+            <a:off x="3791745" y="3825426"/>
+            <a:ext cx="8176376" cy="3046988"/>
+          </a:xfrm>
+          <a:prstGeom prst="rect">
+            <a:avLst/>
+          </a:prstGeom>
+          <a:noFill/>
+        </p:spPr>
+        <p:txBody>
+          <a:bodyPr wrap="square" rtlCol="0">
+            <a:spAutoFit/>
+          </a:bodyPr>
+          <a:lstStyle/>
+          <a:p>
+            <a:pPr marL="342900" indent="-342900">
+              <a:buFont typeface="Arial"/>
+              <a:buChar char="•"/>
+            </a:pPr>
+            <a:r>
+              <a:rPr lang="en-US" altLang="ja-JP" sz="2400" b="1" dirty="0" err="1">
+                <a:latin typeface="HGS明朝E"/>
+                <a:ea typeface="HGS明朝E"/>
+                <a:cs typeface="HGS明朝E"/>
+              </a:rPr>
+              <a:t>PlayerSelect</a:t>
+            </a:r>
+            <a:r>
+              <a:rPr lang="ja-JP" altLang="en-US" sz="2400" dirty="0">
+                <a:latin typeface="HGS明朝E"/>
+                <a:ea typeface="HGS明朝E"/>
+                <a:cs typeface="HGS明朝E"/>
+              </a:rPr>
+              <a:t>はキャラ選択画面で、</a:t>
+            </a:r>
+            <a:r>
+              <a:rPr lang="en-US" altLang="ja-JP" sz="2400" b="1" dirty="0" err="1">
+                <a:latin typeface="HGS明朝E"/>
+                <a:ea typeface="HGS明朝E"/>
+                <a:cs typeface="HGS明朝E"/>
+              </a:rPr>
+              <a:t>JPanel</a:t>
+            </a:r>
+            <a:r>
+              <a:rPr lang="ja-JP" altLang="en-US" sz="2400" dirty="0">
+                <a:latin typeface="HGS明朝E"/>
+                <a:ea typeface="HGS明朝E"/>
+                <a:cs typeface="HGS明朝E"/>
+              </a:rPr>
+              <a:t>を継承している。</a:t>
+            </a:r>
+            <a:endParaRPr lang="en-US" altLang="ja-JP" sz="2400" dirty="0">
+              <a:latin typeface="HGS明朝E"/>
+              <a:ea typeface="HGS明朝E"/>
+              <a:cs typeface="HGS明朝E"/>
+            </a:endParaRPr>
+          </a:p>
+          <a:p>
+            <a:pPr marL="342900" indent="-342900">
+              <a:buFont typeface="Arial"/>
+              <a:buChar char="•"/>
+            </a:pPr>
+            <a:r>
+              <a:rPr lang="en-US" altLang="ja-JP" sz="2400" dirty="0">
+                <a:latin typeface="HGS明朝E"/>
+                <a:ea typeface="HGS明朝E"/>
+                <a:cs typeface="HGS明朝E"/>
+              </a:rPr>
+              <a:t>2</a:t>
+            </a:r>
+            <a:r>
+              <a:rPr lang="ja-JP" altLang="en-US" sz="2400" dirty="0">
+                <a:latin typeface="HGS明朝E"/>
+                <a:ea typeface="HGS明朝E"/>
+                <a:cs typeface="HGS明朝E"/>
+              </a:rPr>
+              <a:t>人のプレイヤーのキャラが選択されているかどうかを</a:t>
+            </a:r>
+            <a:r>
+              <a:rPr lang="en-US" altLang="ja-JP" sz="2400" b="1" dirty="0" err="1">
+                <a:latin typeface="HGS明朝E"/>
+                <a:ea typeface="HGS明朝E"/>
+                <a:cs typeface="HGS明朝E"/>
+              </a:rPr>
+              <a:t>boolean</a:t>
+            </a:r>
+            <a:r>
+              <a:rPr lang="ja-JP" altLang="en-US" sz="2400" dirty="0">
+                <a:latin typeface="HGS明朝E"/>
+                <a:ea typeface="HGS明朝E"/>
+                <a:cs typeface="HGS明朝E"/>
+              </a:rPr>
+              <a:t>で保持して、それによって次に進むかどうかを決めている。</a:t>
+            </a:r>
+            <a:endParaRPr lang="en-US" altLang="ja-JP" sz="2400" dirty="0">
+              <a:latin typeface="HGS明朝E"/>
+              <a:ea typeface="HGS明朝E"/>
+              <a:cs typeface="HGS明朝E"/>
+            </a:endParaRPr>
+          </a:p>
+          <a:p>
+            <a:pPr marL="342900" indent="-342900">
+              <a:buFont typeface="Arial"/>
+              <a:buChar char="•"/>
+            </a:pPr>
+            <a:r>
+              <a:rPr lang="ja-JP" altLang="en-US" sz="2400" dirty="0">
+                <a:latin typeface="HGS明朝E"/>
+                <a:ea typeface="HGS明朝E"/>
+                <a:cs typeface="HGS明朝E"/>
+              </a:rPr>
+              <a:t>二つのクラスは</a:t>
+            </a:r>
+            <a:r>
+              <a:rPr lang="en-US" altLang="ja-JP" sz="2400" b="1" dirty="0" err="1">
+                <a:latin typeface="HGS明朝E"/>
+                <a:ea typeface="HGS明朝E"/>
+                <a:cs typeface="HGS明朝E"/>
+              </a:rPr>
+              <a:t>KeyListener</a:t>
+            </a:r>
+            <a:r>
+              <a:rPr lang="ja-JP" altLang="en-US" sz="2400" dirty="0">
+                <a:latin typeface="HGS明朝E"/>
+                <a:ea typeface="HGS明朝E"/>
+                <a:cs typeface="HGS明朝E"/>
+              </a:rPr>
+              <a:t>のメソッドを持っているが、</a:t>
+            </a:r>
+            <a:r>
+              <a:rPr lang="en-US" altLang="ja-JP" sz="2400" b="1" dirty="0" err="1">
+                <a:latin typeface="HGS明朝E"/>
+                <a:ea typeface="HGS明朝E"/>
+                <a:cs typeface="HGS明朝E"/>
+              </a:rPr>
+              <a:t>KeyListener</a:t>
+            </a:r>
+            <a:r>
+              <a:rPr lang="ja-JP" altLang="en-US" sz="2400" dirty="0">
+                <a:latin typeface="HGS明朝E"/>
+                <a:ea typeface="HGS明朝E"/>
+                <a:cs typeface="HGS明朝E"/>
+              </a:rPr>
+              <a:t>を実装してはおらず、実装しているのは</a:t>
+            </a:r>
+            <a:r>
+              <a:rPr lang="en-US" altLang="ja-JP" sz="2400" b="1" dirty="0" err="1">
+                <a:latin typeface="HGS明朝E"/>
+                <a:ea typeface="HGS明朝E"/>
+                <a:cs typeface="HGS明朝E"/>
+              </a:rPr>
+              <a:t>UECFighter</a:t>
+            </a:r>
+            <a:r>
+              <a:rPr lang="ja-JP" altLang="en-US" sz="2400" dirty="0">
+                <a:latin typeface="HGS明朝E"/>
+                <a:ea typeface="HGS明朝E"/>
+                <a:cs typeface="HGS明朝E"/>
+              </a:rPr>
+              <a:t>クラス。これは後述</a:t>
+            </a:r>
+            <a:r>
+              <a:rPr lang="ja-JP" altLang="en-US" sz="2400" dirty="0" smtClean="0">
+                <a:latin typeface="HGS明朝E"/>
+                <a:ea typeface="HGS明朝E"/>
+                <a:cs typeface="HGS明朝E"/>
+              </a:rPr>
+              <a:t>。</a:t>
+            </a:r>
+            <a:endParaRPr lang="en-US" altLang="ja-JP" sz="2400" dirty="0">
+              <a:latin typeface="HGS明朝E"/>
+              <a:ea typeface="HGS明朝E"/>
+              <a:cs typeface="HGS明朝E"/>
+            </a:endParaRPr>
+          </a:p>
+        </p:txBody>
+      </p:sp>
+    </p:spTree>
+    <p:extLst>
+      <p:ext uri="{BB962C8B-B14F-4D97-AF65-F5344CB8AC3E}">
+        <p14:creationId xmlns:p14="http://schemas.microsoft.com/office/powerpoint/2010/main" val="3866447075"/>
+      </p:ext>
+    </p:extLst>
+  </p:cSld>
+  <p:clrMapOvr>
+    <a:masterClrMapping/>
+  </p:clrMapOvr>
+</p:sld>
+</file>
+
+<file path=ppt/slides/slide8.xml><?xml version="1.0" encoding="utf-8"?>
+<p:sld xmlns:a="http://schemas.openxmlformats.org/drawingml/2006/main" xmlns:r="http://schemas.openxmlformats.org/officeDocument/2006/relationships" xmlns:p="http://schemas.openxmlformats.org/presentationml/2006/main">
+  <p:cSld>
+    <p:spTree>
+      <p:nvGrpSpPr>
+        <p:cNvPr id="1" name=""/>
+        <p:cNvGrpSpPr/>
+        <p:nvPr/>
+      </p:nvGrpSpPr>
+      <p:grpSpPr>
+        <a:xfrm>
+          <a:off x="0" y="0"/>
+          <a:ext cx="0" cy="0"/>
+          <a:chOff x="0" y="0"/>
+          <a:chExt cx="0" cy="0"/>
+        </a:xfrm>
+      </p:grpSpPr>
+      <p:sp>
+        <p:nvSpPr>
+          <p:cNvPr id="3" name="コンテンツ プレースホルダー 2"/>
+          <p:cNvSpPr>
+            <a:spLocks noGrp="1"/>
+          </p:cNvSpPr>
+          <p:nvPr>
+            <p:ph idx="1"/>
+          </p:nvPr>
+        </p:nvSpPr>
+        <p:spPr>
+          <a:xfrm>
+            <a:off x="479376" y="260648"/>
+            <a:ext cx="11305256" cy="2001462"/>
+          </a:xfrm>
+        </p:spPr>
+        <p:txBody>
+          <a:bodyPr>
+            <a:normAutofit/>
+          </a:bodyPr>
+          <a:lstStyle/>
+          <a:p>
+            <a:r>
+              <a:rPr lang="ja-JP" altLang="ja-JP" sz="2400" dirty="0" smtClean="0">
+                <a:latin typeface="HGS明朝E"/>
+                <a:ea typeface="HGS明朝E"/>
+                <a:cs typeface="HGS明朝E"/>
+              </a:rPr>
+              <a:t>UECF</a:t>
+            </a:r>
+            <a:r>
+              <a:rPr lang="en-US" altLang="ja-JP" sz="2400" dirty="0" err="1" smtClean="0">
+                <a:latin typeface="HGS明朝E"/>
+                <a:ea typeface="HGS明朝E"/>
+                <a:cs typeface="HGS明朝E"/>
+              </a:rPr>
+              <a:t>rameView</a:t>
+            </a:r>
+            <a:r>
+              <a:rPr lang="ja-JP" altLang="en-US" sz="2400" dirty="0" smtClean="0">
+                <a:latin typeface="HGS明朝E"/>
+                <a:ea typeface="HGS明朝E"/>
+                <a:cs typeface="HGS明朝E"/>
+              </a:rPr>
+              <a:t>は試合画面を描画するクラス、</a:t>
+            </a:r>
+            <a:r>
+              <a:rPr lang="en-US" altLang="ja-JP" sz="2400" dirty="0" err="1" smtClean="0">
+                <a:latin typeface="HGS明朝E"/>
+                <a:ea typeface="HGS明朝E"/>
+                <a:cs typeface="HGS明朝E"/>
+              </a:rPr>
+              <a:t>JPanel</a:t>
+            </a:r>
+            <a:r>
+              <a:rPr lang="ja-JP" altLang="en-US" sz="2400" dirty="0" smtClean="0">
+                <a:latin typeface="HGS明朝E"/>
+                <a:ea typeface="HGS明朝E"/>
+                <a:cs typeface="HGS明朝E"/>
+              </a:rPr>
+              <a:t>を継承している。</a:t>
+            </a:r>
+            <a:endParaRPr lang="en-US" altLang="ja-JP" sz="2400" dirty="0">
+              <a:latin typeface="HGS明朝E"/>
+              <a:ea typeface="HGS明朝E"/>
+              <a:cs typeface="HGS明朝E"/>
+            </a:endParaRPr>
+          </a:p>
+          <a:p>
+            <a:r>
+              <a:rPr lang="ja-JP" altLang="en-US" sz="2400" dirty="0" smtClean="0">
+                <a:latin typeface="HGS明朝E"/>
+                <a:ea typeface="HGS明朝E"/>
+                <a:cs typeface="HGS明朝E"/>
+              </a:rPr>
+              <a:t>自分が担当したのは、試合時間と</a:t>
+            </a:r>
+            <a:r>
+              <a:rPr lang="en-US" altLang="ja-JP" sz="2400" dirty="0" smtClean="0">
+                <a:latin typeface="HGS明朝E"/>
+                <a:ea typeface="HGS明朝E"/>
+                <a:cs typeface="HGS明朝E"/>
+              </a:rPr>
+              <a:t>HP</a:t>
+            </a:r>
+            <a:r>
+              <a:rPr lang="ja-JP" altLang="en-US" sz="2400" dirty="0" smtClean="0">
+                <a:latin typeface="HGS明朝E"/>
+                <a:ea typeface="HGS明朝E"/>
+                <a:cs typeface="HGS明朝E"/>
+              </a:rPr>
+              <a:t>を表示する部分、試合開始と終了部分で操作ができるかどうかを管理する部分。</a:t>
+            </a:r>
+            <a:endParaRPr lang="en-US" altLang="ja-JP" sz="2400" dirty="0" smtClean="0">
+              <a:latin typeface="HGS明朝E"/>
+              <a:ea typeface="HGS明朝E"/>
+              <a:cs typeface="HGS明朝E"/>
+            </a:endParaRPr>
+          </a:p>
+          <a:p>
+            <a:r>
+              <a:rPr lang="ja-JP" altLang="en-US" sz="2400" dirty="0" smtClean="0">
+                <a:latin typeface="HGS明朝E"/>
+                <a:ea typeface="HGS明朝E"/>
+                <a:cs typeface="HGS明朝E"/>
+              </a:rPr>
+              <a:t>試合時間は</a:t>
+            </a:r>
+            <a:r>
+              <a:rPr lang="en-US" altLang="ja-JP" sz="2400" dirty="0" err="1" smtClean="0">
+                <a:latin typeface="HGS明朝E"/>
+                <a:ea typeface="HGS明朝E"/>
+                <a:cs typeface="HGS明朝E"/>
+              </a:rPr>
+              <a:t>GameTime</a:t>
+            </a:r>
+            <a:r>
+              <a:rPr lang="ja-JP" altLang="en-US" sz="2400" dirty="0" smtClean="0">
+                <a:latin typeface="HGS明朝E"/>
+                <a:ea typeface="HGS明朝E"/>
+                <a:cs typeface="HGS明朝E"/>
+              </a:rPr>
+              <a:t>クラスを別で作り、それで管理している</a:t>
+            </a:r>
+            <a:r>
+              <a:rPr lang="ja-JP" altLang="en-US" dirty="0" smtClean="0">
+                <a:latin typeface="HGS明朝E"/>
+                <a:ea typeface="HGS明朝E"/>
+                <a:cs typeface="HGS明朝E"/>
+              </a:rPr>
+              <a:t>。</a:t>
+            </a:r>
+            <a:endParaRPr lang="en-US" altLang="ja-JP" dirty="0" smtClean="0">
+              <a:latin typeface="HGS明朝E"/>
+              <a:ea typeface="HGS明朝E"/>
+              <a:cs typeface="HGS明朝E"/>
+            </a:endParaRPr>
+          </a:p>
+        </p:txBody>
+      </p:sp>
+      <p:pic>
+        <p:nvPicPr>
+          <p:cNvPr id="4" name="図 3" descr="スクリーンショット 2018-01-24 16.55.17.png"/>
+          <p:cNvPicPr>
+            <a:picLocks noChangeAspect="1"/>
+          </p:cNvPicPr>
+          <p:nvPr/>
+        </p:nvPicPr>
+        <p:blipFill>
+          <a:blip r:embed="rId2">
+            <a:extLst>
+              <a:ext uri="{28A0092B-C50C-407E-A947-70E740481C1C}">
+                <a14:useLocalDpi xmlns:a14="http://schemas.microsoft.com/office/drawing/2010/main" val="0"/>
+              </a:ext>
+            </a:extLst>
+          </a:blip>
+          <a:stretch>
+            <a:fillRect/>
+          </a:stretch>
+        </p:blipFill>
+        <p:spPr>
+          <a:xfrm>
+            <a:off x="475882" y="2262110"/>
+            <a:ext cx="8178304" cy="987829"/>
+          </a:xfrm>
+          <a:prstGeom prst="rect">
+            <a:avLst/>
+          </a:prstGeom>
+        </p:spPr>
+      </p:pic>
+      <p:sp>
+        <p:nvSpPr>
+          <p:cNvPr id="5" name="テキスト ボックス 4"/>
+          <p:cNvSpPr txBox="1"/>
+          <p:nvPr/>
+        </p:nvSpPr>
+        <p:spPr>
+          <a:xfrm>
+            <a:off x="479376" y="3474586"/>
+            <a:ext cx="10585176" cy="3182410"/>
+          </a:xfrm>
+          <a:prstGeom prst="rect">
+            <a:avLst/>
+          </a:prstGeom>
+          <a:noFill/>
+        </p:spPr>
+        <p:txBody>
+          <a:bodyPr wrap="square" rtlCol="0">
+            <a:spAutoFit/>
+          </a:bodyPr>
+          <a:lstStyle/>
+          <a:p>
+            <a:pPr marL="285750" indent="-285750">
+              <a:lnSpc>
+                <a:spcPct val="120000"/>
+              </a:lnSpc>
+              <a:buFont typeface="Arial"/>
+              <a:buChar char="•"/>
+            </a:pPr>
+            <a:r>
+              <a:rPr kumimoji="1" lang="en-US" altLang="ja-JP" sz="2400" dirty="0" err="1" smtClean="0">
+                <a:latin typeface="HGS明朝E"/>
+                <a:ea typeface="HGS明朝E"/>
+                <a:cs typeface="HGS明朝E"/>
+              </a:rPr>
+              <a:t>UECFighter</a:t>
+            </a:r>
+            <a:r>
+              <a:rPr kumimoji="1" lang="ja-JP" altLang="en-US" sz="2400" dirty="0" smtClean="0">
+                <a:latin typeface="HGS明朝E"/>
+                <a:ea typeface="HGS明朝E"/>
+                <a:cs typeface="HGS明朝E"/>
+              </a:rPr>
+              <a:t>クラスでは、シーンの切り替えや、</a:t>
+            </a:r>
+            <a:r>
+              <a:rPr lang="ja-JP" altLang="en-US" sz="2400" dirty="0" smtClean="0">
+                <a:latin typeface="HGS明朝E"/>
+                <a:ea typeface="HGS明朝E"/>
+                <a:cs typeface="HGS明朝E"/>
+              </a:rPr>
+              <a:t>キー入力を管理している。</a:t>
+            </a:r>
+            <a:endParaRPr lang="en-US" altLang="ja-JP" sz="2400" dirty="0" smtClean="0">
+              <a:latin typeface="HGS明朝E"/>
+              <a:ea typeface="HGS明朝E"/>
+              <a:cs typeface="HGS明朝E"/>
+            </a:endParaRPr>
+          </a:p>
+          <a:p>
+            <a:pPr marL="285750" indent="-285750">
+              <a:lnSpc>
+                <a:spcPct val="120000"/>
+              </a:lnSpc>
+              <a:buFont typeface="Arial"/>
+              <a:buChar char="•"/>
+            </a:pPr>
+            <a:r>
+              <a:rPr kumimoji="1" lang="ja-JP" altLang="en-US" sz="2400" dirty="0" smtClean="0">
+                <a:latin typeface="HGS明朝E"/>
+                <a:ea typeface="HGS明朝E"/>
+                <a:cs typeface="HGS明朝E"/>
+              </a:rPr>
+              <a:t>シーンの切り替えは</a:t>
+            </a:r>
+            <a:r>
+              <a:rPr kumimoji="1" lang="en-US" altLang="ja-JP" sz="2400" dirty="0" err="1" smtClean="0">
+                <a:latin typeface="HGS明朝E"/>
+                <a:ea typeface="HGS明朝E"/>
+                <a:cs typeface="HGS明朝E"/>
+              </a:rPr>
+              <a:t>callScene</a:t>
+            </a:r>
+            <a:r>
+              <a:rPr kumimoji="1" lang="en-US" altLang="ja-JP" sz="2400" dirty="0" smtClean="0">
+                <a:latin typeface="HGS明朝E"/>
+                <a:ea typeface="HGS明朝E"/>
+                <a:cs typeface="HGS明朝E"/>
+              </a:rPr>
+              <a:t>(</a:t>
+            </a:r>
+            <a:r>
+              <a:rPr kumimoji="1" lang="en-US" altLang="ja-JP" sz="2400" dirty="0" err="1" smtClean="0">
+                <a:latin typeface="HGS明朝E"/>
+                <a:ea typeface="HGS明朝E"/>
+                <a:cs typeface="HGS明朝E"/>
+              </a:rPr>
+              <a:t>int</a:t>
+            </a:r>
+            <a:r>
+              <a:rPr kumimoji="1" lang="en-US" altLang="ja-JP" sz="2400" dirty="0" smtClean="0">
+                <a:latin typeface="HGS明朝E"/>
+                <a:ea typeface="HGS明朝E"/>
+                <a:cs typeface="HGS明朝E"/>
+              </a:rPr>
+              <a:t> scene)</a:t>
+            </a:r>
+            <a:r>
+              <a:rPr kumimoji="1" lang="ja-JP" altLang="en-US" sz="2400" dirty="0" smtClean="0">
+                <a:latin typeface="HGS明朝E"/>
+                <a:ea typeface="HGS明朝E"/>
+                <a:cs typeface="HGS明朝E"/>
+              </a:rPr>
+              <a:t>メソッドを用意して</a:t>
+            </a:r>
+            <a:r>
+              <a:rPr lang="en-US" altLang="ja-JP" sz="2400" dirty="0" smtClean="0">
+                <a:latin typeface="HGS明朝E"/>
+                <a:ea typeface="HGS明朝E"/>
+                <a:cs typeface="HGS明朝E"/>
+              </a:rPr>
+              <a:t>scene</a:t>
+            </a:r>
+            <a:r>
+              <a:rPr lang="ja-JP" altLang="en-US" sz="2400" dirty="0" smtClean="0">
+                <a:latin typeface="HGS明朝E"/>
+                <a:ea typeface="HGS明朝E"/>
+                <a:cs typeface="HGS明朝E"/>
+              </a:rPr>
+              <a:t>によって描画するシーンのクラスを呼び出すようにしている。</a:t>
+            </a:r>
+            <a:endParaRPr lang="en-US" altLang="ja-JP" sz="2400" dirty="0" smtClean="0">
+              <a:latin typeface="HGS明朝E"/>
+              <a:ea typeface="HGS明朝E"/>
+              <a:cs typeface="HGS明朝E"/>
+            </a:endParaRPr>
+          </a:p>
+          <a:p>
+            <a:pPr marL="285750" indent="-285750">
+              <a:lnSpc>
+                <a:spcPct val="120000"/>
+              </a:lnSpc>
+              <a:buFont typeface="Arial"/>
+              <a:buChar char="•"/>
+            </a:pPr>
+            <a:r>
+              <a:rPr lang="en-US" altLang="ja-JP" sz="2400" dirty="0" err="1" smtClean="0">
+                <a:latin typeface="HGS明朝E"/>
+                <a:ea typeface="HGS明朝E"/>
+                <a:cs typeface="HGS明朝E"/>
+              </a:rPr>
+              <a:t>keyListener</a:t>
+            </a:r>
+            <a:r>
+              <a:rPr lang="ja-JP" altLang="en-US" sz="2400" dirty="0" smtClean="0">
+                <a:latin typeface="HGS明朝E"/>
+                <a:ea typeface="HGS明朝E"/>
+                <a:cs typeface="HGS明朝E"/>
+              </a:rPr>
+              <a:t>は本当はそれぞれのクラスに実装するつもりだったが、</a:t>
+            </a:r>
+            <a:r>
+              <a:rPr lang="en-US" altLang="ja-JP" sz="2400" dirty="0" smtClean="0">
+                <a:latin typeface="HGS明朝E"/>
+                <a:ea typeface="HGS明朝E"/>
+                <a:cs typeface="HGS明朝E"/>
+              </a:rPr>
+              <a:t>Focusable</a:t>
+            </a:r>
+            <a:r>
+              <a:rPr lang="ja-JP" altLang="en-US" sz="2400" dirty="0" smtClean="0">
+                <a:latin typeface="HGS明朝E"/>
+                <a:ea typeface="HGS明朝E"/>
+                <a:cs typeface="HGS明朝E"/>
+              </a:rPr>
+              <a:t>という概念でつまづいたため断念し、</a:t>
+            </a:r>
+            <a:r>
+              <a:rPr lang="ja-JP" altLang="ja-JP" sz="2400" dirty="0" smtClean="0">
+                <a:latin typeface="HGS明朝E"/>
+                <a:ea typeface="HGS明朝E"/>
+                <a:cs typeface="HGS明朝E"/>
+              </a:rPr>
+              <a:t>U</a:t>
+            </a:r>
+            <a:r>
+              <a:rPr lang="en-US" altLang="ja-JP" sz="2400" dirty="0" err="1" smtClean="0">
+                <a:latin typeface="HGS明朝E"/>
+                <a:ea typeface="HGS明朝E"/>
+                <a:cs typeface="HGS明朝E"/>
+              </a:rPr>
+              <a:t>ECFighter</a:t>
+            </a:r>
+            <a:r>
+              <a:rPr lang="ja-JP" altLang="en-US" sz="2400" dirty="0" smtClean="0">
+                <a:latin typeface="HGS明朝E"/>
+                <a:ea typeface="HGS明朝E"/>
+                <a:cs typeface="HGS明朝E"/>
+              </a:rPr>
+              <a:t>に実装した。</a:t>
+            </a:r>
+            <a:endParaRPr lang="en-US" altLang="ja-JP" sz="2400" dirty="0" smtClean="0">
+              <a:latin typeface="HGS明朝E"/>
+              <a:ea typeface="HGS明朝E"/>
+              <a:cs typeface="HGS明朝E"/>
+            </a:endParaRPr>
+          </a:p>
+          <a:p>
+            <a:pPr marL="285750" indent="-285750">
+              <a:lnSpc>
+                <a:spcPct val="120000"/>
+              </a:lnSpc>
+              <a:buFont typeface="Arial"/>
+              <a:buChar char="•"/>
+            </a:pPr>
+            <a:r>
+              <a:rPr kumimoji="1" lang="ja-JP" altLang="en-US" sz="2400" dirty="0" smtClean="0">
+                <a:latin typeface="HGS明朝E"/>
+                <a:ea typeface="HGS明朝E"/>
+                <a:cs typeface="HGS明朝E"/>
+              </a:rPr>
+              <a:t>種々の設定をする</a:t>
+            </a:r>
+            <a:r>
+              <a:rPr kumimoji="1" lang="en-US" altLang="ja-JP" sz="2400" dirty="0" smtClean="0">
+                <a:latin typeface="HGS明朝E"/>
+                <a:ea typeface="HGS明朝E"/>
+                <a:cs typeface="HGS明朝E"/>
+              </a:rPr>
+              <a:t>Option</a:t>
+            </a:r>
+            <a:r>
+              <a:rPr kumimoji="1" lang="ja-JP" altLang="en-US" sz="2400" dirty="0" smtClean="0">
+                <a:latin typeface="HGS明朝E"/>
+                <a:ea typeface="HGS明朝E"/>
+                <a:cs typeface="HGS明朝E"/>
+              </a:rPr>
+              <a:t>クラスと、</a:t>
+            </a:r>
+            <a:r>
+              <a:rPr kumimoji="1" lang="en-US" altLang="ja-JP" sz="2400" dirty="0" smtClean="0">
+                <a:latin typeface="HGS明朝E"/>
+                <a:ea typeface="HGS明朝E"/>
+                <a:cs typeface="HGS明朝E"/>
+              </a:rPr>
+              <a:t>Scene</a:t>
+            </a:r>
+            <a:r>
+              <a:rPr kumimoji="1" lang="ja-JP" altLang="en-US" sz="2400" dirty="0" smtClean="0">
+                <a:latin typeface="HGS明朝E"/>
+                <a:ea typeface="HGS明朝E"/>
+                <a:cs typeface="HGS明朝E"/>
+              </a:rPr>
+              <a:t>を戻るキャンセル操作が未実装なので、これから実装したい。</a:t>
+            </a:r>
+            <a:endParaRPr kumimoji="1" lang="ja-JP" altLang="en-US" sz="2400" dirty="0">
+              <a:latin typeface="HGS明朝E"/>
+              <a:ea typeface="HGS明朝E"/>
+              <a:cs typeface="HGS明朝E"/>
+            </a:endParaRPr>
+          </a:p>
+        </p:txBody>
+      </p:sp>
+    </p:spTree>
+    <p:extLst>
+      <p:ext uri="{BB962C8B-B14F-4D97-AF65-F5344CB8AC3E}">
+        <p14:creationId xmlns:p14="http://schemas.microsoft.com/office/powerpoint/2010/main" val="3286296"/>
+      </p:ext>
+    </p:extLst>
+  </p:cSld>
+  <p:clrMapOvr>
+    <a:masterClrMapping/>
+  </p:clrMapOvr>
+</p:sld>
+</file>
+
+<file path=ppt/slides/slide9.xml><?xml version="1.0" encoding="utf-8"?>
+<p:sld xmlns:a="http://schemas.openxmlformats.org/drawingml/2006/main" xmlns:r="http://schemas.openxmlformats.org/officeDocument/2006/relationships" xmlns:p="http://schemas.openxmlformats.org/presentationml/2006/main">
+  <p:cSld>
+    <p:spTree>
+      <p:nvGrpSpPr>
+        <p:cNvPr id="1" name=""/>
+        <p:cNvGrpSpPr/>
+        <p:nvPr/>
+      </p:nvGrpSpPr>
+      <p:grpSpPr>
+        <a:xfrm>
+          <a:off x="0" y="0"/>
+          <a:ext cx="0" cy="0"/>
+          <a:chOff x="0" y="0"/>
+          <a:chExt cx="0" cy="0"/>
+        </a:xfrm>
+      </p:grpSpPr>
+      <p:sp>
+        <p:nvSpPr>
+          <p:cNvPr id="2" name="タイトル 1"/>
+          <p:cNvSpPr>
+            <a:spLocks noGrp="1"/>
+          </p:cNvSpPr>
+          <p:nvPr>
+            <p:ph type="title"/>
+          </p:nvPr>
+        </p:nvSpPr>
+        <p:spPr>
+          <a:xfrm flipV="1">
+            <a:off x="838200" y="188640"/>
+            <a:ext cx="10515600" cy="176485"/>
+          </a:xfrm>
+        </p:spPr>
+        <p:txBody>
+          <a:bodyPr>
+            <a:normAutofit fontScale="90000"/>
+          </a:bodyPr>
+          <a:lstStyle/>
+          <a:p>
+            <a:endParaRPr kumimoji="1" lang="ja-JP" altLang="en-US" dirty="0"/>
+          </a:p>
+        </p:txBody>
+      </p:sp>
+      <p:sp>
+        <p:nvSpPr>
+          <p:cNvPr id="3" name="コンテンツ プレースホルダー 2"/>
+          <p:cNvSpPr>
+            <a:spLocks noGrp="1"/>
+          </p:cNvSpPr>
+          <p:nvPr>
+            <p:ph idx="1"/>
+          </p:nvPr>
+        </p:nvSpPr>
+        <p:spPr>
+          <a:xfrm>
+            <a:off x="838200" y="365125"/>
+            <a:ext cx="10515600" cy="5811838"/>
+          </a:xfrm>
+        </p:spPr>
+        <p:txBody>
+          <a:bodyPr/>
+          <a:lstStyle/>
+          <a:p>
+            <a:pPr marL="0" indent="0">
+              <a:buNone/>
+            </a:pPr>
+            <a:endParaRPr kumimoji="1" lang="en-US" altLang="ja-JP" dirty="0" smtClean="0"/>
+          </a:p>
+        </p:txBody>
+      </p:sp>
+    </p:spTree>
+    <p:extLst>
+      <p:ext uri="{BB962C8B-B14F-4D97-AF65-F5344CB8AC3E}">
+        <p14:creationId xmlns:p14="http://schemas.microsoft.com/office/powerpoint/2010/main" val="2705310491"/>
+      </p:ext>
+    </p:extLst>
+  </p:cSld>
+  <p:clrMapOvr>
+    <a:masterClrMapping/>
+  </p:clrMapOvr>
+</p:sld>
+</file>
+
 <file path=ppt/theme/theme1.xml><?xml version="1.0" encoding="utf-8"?>
 <a:theme xmlns:a="http://schemas.openxmlformats.org/drawingml/2006/main" name="Office Theme">
   <a:themeElements>
@@ -5524,7 +6660,7 @@
     </a:clrScheme>
     <a:fontScheme name="ホワイト">
       <a:majorFont>
-        <a:latin typeface="Calibri Light" panose="020F0302020204030204"/>
+        <a:latin typeface="Calibri Light"/>
         <a:ea typeface=""/>
         <a:cs typeface=""/>
         <a:font script="Jpan" typeface="游ゴシック Light"/>
@@ -5559,7 +6695,7 @@
         <a:font script="Geor" typeface="Sylfaen"/>
       </a:majorFont>
       <a:minorFont>
-        <a:latin typeface="Calibri" panose="020F0502020204030204"/>
+        <a:latin typeface="Calibri"/>
         <a:ea typeface=""/>
         <a:cs typeface=""/>
         <a:font script="Jpan" typeface="游ゴシック"/>
@@ -5736,7 +6872,7 @@
   <a:extraClrSchemeLst/>
   <a:extLst>
     <a:ext uri="{05A4C25C-085E-4340-85A3-A5531E510DB2}">
-      <thm15:themeFamily xmlns:thm15="http://schemas.microsoft.com/office/thememl/2012/main" name="Office Theme" id="{62F939B6-93AF-4DB8-9C6B-D6C7DFDC589F}" vid="{4F46216B-77A9-411A-B9D3-5023FCB70208}"/>
+      <thm15:themeFamily xmlns:thm15="http://schemas.microsoft.com/office/thememl/2012/main" xmlns="" name="Office Theme" id="{62F939B6-93AF-4DB8-9C6B-D6C7DFDC589F}" vid="{4F46216B-77A9-411A-B9D3-5023FCB70208}"/>
     </a:ext>
   </a:extLst>
 </a:theme>
@@ -5785,7 +6921,7 @@
     </a:clrScheme>
     <a:fontScheme name="Office">
       <a:majorFont>
-        <a:latin typeface="Yu Gothic Light" panose="020F0302020204030204"/>
+        <a:latin typeface="Yu Gothic Light"/>
         <a:ea typeface=""/>
         <a:cs typeface=""/>
         <a:font script="Jpan" typeface="Yu Gothic Light"/>
@@ -5820,7 +6956,7 @@
         <a:font script="Geor" typeface="Sylfaen"/>
       </a:majorFont>
       <a:minorFont>
-        <a:latin typeface="Yu Gothic" panose="020F0502020204030204"/>
+        <a:latin typeface="Yu Gothic"/>
         <a:ea typeface=""/>
         <a:cs typeface=""/>
         <a:font script="Jpan" typeface="Yu Gothic"/>
@@ -5997,7 +7133,7 @@
   <a:extraClrSchemeLst/>
   <a:extLst>
     <a:ext uri="{05A4C25C-085E-4340-85A3-A5531E510DB2}">
-      <thm15:themeFamily xmlns:thm15="http://schemas.microsoft.com/office/thememl/2012/main" name="Office Theme" id="{62F939B6-93AF-4DB8-9C6B-D6C7DFDC589F}" vid="{4A3C46E8-61CC-4603-A589-7422A47A8E4A}"/>
+      <thm15:themeFamily xmlns:thm15="http://schemas.microsoft.com/office/thememl/2012/main" xmlns="" name="Office Theme" id="{62F939B6-93AF-4DB8-9C6B-D6C7DFDC589F}" vid="{4A3C46E8-61CC-4603-A589-7422A47A8E4A}"/>
     </a:ext>
   </a:extLst>
 </a:theme>

--- a/media_16.pptx
+++ b/media_16.pptx
@@ -117,7 +117,7 @@
   </p:defaultTextStyle>
   <p:extLst>
     <p:ext uri="{EFAFB233-063F-42B5-8137-9DF3F51BA10A}">
-      <p15:sldGuideLst xmlns:p15="http://schemas.microsoft.com/office/powerpoint/2012/main" xmlns="">
+      <p15:sldGuideLst xmlns="" xmlns:p15="http://schemas.microsoft.com/office/powerpoint/2012/main">
         <p15:guide id="1" orient="horz" pos="2160" userDrawn="1">
           <p15:clr>
             <a:srgbClr val="A4A3A4"/>
@@ -216,7 +216,7 @@
           <a:p>
             <a:fld id="{3B417753-F505-4C49-ADEE-88B693B9E566}" type="datetimeFigureOut">
               <a:rPr kumimoji="1" lang="ja-JP" altLang="en-US" smtClean="0"/>
-              <a:t>18/01/24</a:t>
+              <a:t>18/01/25</a:t>
             </a:fld>
             <a:endParaRPr kumimoji="1" lang="ja-JP" altLang="en-US"/>
           </a:p>
@@ -731,7 +731,7 @@
           <a:p>
             <a:fld id="{B2F271BE-01BC-F649-AE65-C87C981C00D0}" type="datetimeFigureOut">
               <a:rPr kumimoji="1" lang="ja-JP" altLang="en-US" smtClean="0"/>
-              <a:t>18/01/24</a:t>
+              <a:t>18/01/25</a:t>
             </a:fld>
             <a:endParaRPr kumimoji="1" lang="ja-JP" altLang="en-US"/>
           </a:p>
@@ -928,7 +928,7 @@
           <a:p>
             <a:fld id="{B2F271BE-01BC-F649-AE65-C87C981C00D0}" type="datetimeFigureOut">
               <a:rPr kumimoji="1" lang="ja-JP" altLang="en-US" smtClean="0"/>
-              <a:t>18/01/24</a:t>
+              <a:t>18/01/25</a:t>
             </a:fld>
             <a:endParaRPr kumimoji="1" lang="ja-JP" altLang="en-US"/>
           </a:p>
@@ -1135,7 +1135,7 @@
           <a:p>
             <a:fld id="{B2F271BE-01BC-F649-AE65-C87C981C00D0}" type="datetimeFigureOut">
               <a:rPr kumimoji="1" lang="ja-JP" altLang="en-US" smtClean="0"/>
-              <a:t>18/01/24</a:t>
+              <a:t>18/01/25</a:t>
             </a:fld>
             <a:endParaRPr kumimoji="1" lang="ja-JP" altLang="en-US"/>
           </a:p>
@@ -1332,7 +1332,7 @@
           <a:p>
             <a:fld id="{B2F271BE-01BC-F649-AE65-C87C981C00D0}" type="datetimeFigureOut">
               <a:rPr kumimoji="1" lang="ja-JP" altLang="en-US" smtClean="0"/>
-              <a:t>18/01/24</a:t>
+              <a:t>18/01/25</a:t>
             </a:fld>
             <a:endParaRPr kumimoji="1" lang="ja-JP" altLang="en-US"/>
           </a:p>
@@ -1573,7 +1573,7 @@
           <a:p>
             <a:fld id="{B2F271BE-01BC-F649-AE65-C87C981C00D0}" type="datetimeFigureOut">
               <a:rPr kumimoji="1" lang="ja-JP" altLang="en-US" smtClean="0"/>
-              <a:t>18/01/24</a:t>
+              <a:t>18/01/25</a:t>
             </a:fld>
             <a:endParaRPr kumimoji="1" lang="ja-JP" altLang="en-US"/>
           </a:p>
@@ -1864,7 +1864,7 @@
           <a:p>
             <a:fld id="{B2F271BE-01BC-F649-AE65-C87C981C00D0}" type="datetimeFigureOut">
               <a:rPr kumimoji="1" lang="ja-JP" altLang="en-US" smtClean="0"/>
-              <a:t>18/01/24</a:t>
+              <a:t>18/01/25</a:t>
             </a:fld>
             <a:endParaRPr kumimoji="1" lang="ja-JP" altLang="en-US"/>
           </a:p>
@@ -2290,7 +2290,7 @@
           <a:p>
             <a:fld id="{B2F271BE-01BC-F649-AE65-C87C981C00D0}" type="datetimeFigureOut">
               <a:rPr kumimoji="1" lang="ja-JP" altLang="en-US" smtClean="0"/>
-              <a:t>18/01/24</a:t>
+              <a:t>18/01/25</a:t>
             </a:fld>
             <a:endParaRPr kumimoji="1" lang="ja-JP" altLang="en-US"/>
           </a:p>
@@ -2403,7 +2403,7 @@
           <a:p>
             <a:fld id="{B2F271BE-01BC-F649-AE65-C87C981C00D0}" type="datetimeFigureOut">
               <a:rPr kumimoji="1" lang="ja-JP" altLang="en-US" smtClean="0"/>
-              <a:t>18/01/24</a:t>
+              <a:t>18/01/25</a:t>
             </a:fld>
             <a:endParaRPr kumimoji="1" lang="ja-JP" altLang="en-US"/>
           </a:p>
@@ -2493,7 +2493,7 @@
           <a:p>
             <a:fld id="{B2F271BE-01BC-F649-AE65-C87C981C00D0}" type="datetimeFigureOut">
               <a:rPr kumimoji="1" lang="ja-JP" altLang="en-US" smtClean="0"/>
-              <a:t>18/01/24</a:t>
+              <a:t>18/01/25</a:t>
             </a:fld>
             <a:endParaRPr kumimoji="1" lang="ja-JP" altLang="en-US"/>
           </a:p>
@@ -2797,7 +2797,7 @@
           <a:p>
             <a:fld id="{B2F271BE-01BC-F649-AE65-C87C981C00D0}" type="datetimeFigureOut">
               <a:rPr kumimoji="1" lang="ja-JP" altLang="en-US" smtClean="0"/>
-              <a:t>18/01/24</a:t>
+              <a:t>18/01/25</a:t>
             </a:fld>
             <a:endParaRPr kumimoji="1" lang="ja-JP" altLang="en-US"/>
           </a:p>
@@ -3049,7 +3049,7 @@
           <a:p>
             <a:fld id="{B2F271BE-01BC-F649-AE65-C87C981C00D0}" type="datetimeFigureOut">
               <a:rPr kumimoji="1" lang="ja-JP" altLang="en-US" smtClean="0"/>
-              <a:t>18/01/24</a:t>
+              <a:t>18/01/25</a:t>
             </a:fld>
             <a:endParaRPr kumimoji="1" lang="ja-JP" altLang="en-US"/>
           </a:p>
@@ -3289,7 +3289,7 @@
           <a:p>
             <a:fld id="{B2F271BE-01BC-F649-AE65-C87C981C00D0}" type="datetimeFigureOut">
               <a:rPr kumimoji="1" lang="ja-JP" altLang="en-US" smtClean="0"/>
-              <a:t>18/01/24</a:t>
+              <a:t>18/01/25</a:t>
             </a:fld>
             <a:endParaRPr kumimoji="1" lang="ja-JP" altLang="en-US"/>
           </a:p>
@@ -6111,7 +6111,7 @@
           <a:lstStyle/>
           <a:p>
             <a:r>
-              <a:rPr lang="ja-JP" altLang="ja-JP" sz="2400" dirty="0" smtClean="0">
+              <a:rPr lang="ja-JP" altLang="ja-JP" dirty="0" smtClean="0">
                 <a:latin typeface="HGS明朝E"/>
                 <a:ea typeface="HGS明朝E"/>
                 <a:cs typeface="HGS明朝E"/>
@@ -6119,7 +6119,7 @@
               <a:t>UECF</a:t>
             </a:r>
             <a:r>
-              <a:rPr lang="en-US" altLang="ja-JP" sz="2400" dirty="0" err="1" smtClean="0">
+              <a:rPr lang="en-US" altLang="ja-JP" dirty="0" err="1" smtClean="0">
                 <a:latin typeface="HGS明朝E"/>
                 <a:ea typeface="HGS明朝E"/>
                 <a:cs typeface="HGS明朝E"/>
@@ -6127,7 +6127,7 @@
               <a:t>rameView</a:t>
             </a:r>
             <a:r>
-              <a:rPr lang="ja-JP" altLang="en-US" sz="2400" dirty="0" smtClean="0">
+              <a:rPr lang="ja-JP" altLang="en-US" dirty="0" smtClean="0">
                 <a:latin typeface="HGS明朝E"/>
                 <a:ea typeface="HGS明朝E"/>
                 <a:cs typeface="HGS明朝E"/>
@@ -6135,7 +6135,7 @@
               <a:t>は試合画面を描画するクラス、</a:t>
             </a:r>
             <a:r>
-              <a:rPr lang="en-US" altLang="ja-JP" sz="2400" dirty="0" err="1" smtClean="0">
+              <a:rPr lang="en-US" altLang="ja-JP" dirty="0" err="1" smtClean="0">
                 <a:latin typeface="HGS明朝E"/>
                 <a:ea typeface="HGS明朝E"/>
                 <a:cs typeface="HGS明朝E"/>
@@ -6143,14 +6143,14 @@
               <a:t>JPanel</a:t>
             </a:r>
             <a:r>
-              <a:rPr lang="ja-JP" altLang="en-US" sz="2400" dirty="0" smtClean="0">
+              <a:rPr lang="ja-JP" altLang="en-US" dirty="0" smtClean="0">
                 <a:latin typeface="HGS明朝E"/>
                 <a:ea typeface="HGS明朝E"/>
                 <a:cs typeface="HGS明朝E"/>
               </a:rPr>
               <a:t>を継承している。</a:t>
             </a:r>
-            <a:endParaRPr lang="en-US" altLang="ja-JP" sz="2400" dirty="0">
+            <a:endParaRPr lang="en-US" altLang="ja-JP" dirty="0">
               <a:latin typeface="HGS明朝E"/>
               <a:ea typeface="HGS明朝E"/>
               <a:cs typeface="HGS明朝E"/>
@@ -6158,7 +6158,7 @@
           </a:p>
           <a:p>
             <a:r>
-              <a:rPr lang="ja-JP" altLang="en-US" sz="2400" dirty="0" smtClean="0">
+              <a:rPr lang="ja-JP" altLang="en-US" dirty="0" smtClean="0">
                 <a:latin typeface="HGS明朝E"/>
                 <a:ea typeface="HGS明朝E"/>
                 <a:cs typeface="HGS明朝E"/>
@@ -6166,7 +6166,7 @@
               <a:t>自分が担当したのは、試合時間と</a:t>
             </a:r>
             <a:r>
-              <a:rPr lang="en-US" altLang="ja-JP" sz="2400" dirty="0" smtClean="0">
+              <a:rPr lang="en-US" altLang="ja-JP" dirty="0" smtClean="0">
                 <a:latin typeface="HGS明朝E"/>
                 <a:ea typeface="HGS明朝E"/>
                 <a:cs typeface="HGS明朝E"/>
@@ -6174,14 +6174,14 @@
               <a:t>HP</a:t>
             </a:r>
             <a:r>
-              <a:rPr lang="ja-JP" altLang="en-US" sz="2400" dirty="0" smtClean="0">
+              <a:rPr lang="ja-JP" altLang="en-US" dirty="0" smtClean="0">
                 <a:latin typeface="HGS明朝E"/>
                 <a:ea typeface="HGS明朝E"/>
                 <a:cs typeface="HGS明朝E"/>
               </a:rPr>
               <a:t>を表示する部分、試合開始と終了部分で操作ができるかどうかを管理する部分。</a:t>
             </a:r>
-            <a:endParaRPr lang="en-US" altLang="ja-JP" sz="2400" dirty="0" smtClean="0">
+            <a:endParaRPr lang="en-US" altLang="ja-JP" dirty="0" smtClean="0">
               <a:latin typeface="HGS明朝E"/>
               <a:ea typeface="HGS明朝E"/>
               <a:cs typeface="HGS明朝E"/>
@@ -6189,36 +6189,28 @@
           </a:p>
           <a:p>
             <a:r>
-              <a:rPr lang="ja-JP" altLang="en-US" sz="2400" dirty="0" smtClean="0">
-                <a:latin typeface="HGS明朝E"/>
-                <a:ea typeface="HGS明朝E"/>
-                <a:cs typeface="HGS明朝E"/>
-              </a:rPr>
-              <a:t>試合時間は</a:t>
-            </a:r>
-            <a:r>
-              <a:rPr lang="en-US" altLang="ja-JP" sz="2400" dirty="0" err="1" smtClean="0">
-                <a:latin typeface="HGS明朝E"/>
-                <a:ea typeface="HGS明朝E"/>
-                <a:cs typeface="HGS明朝E"/>
-              </a:rPr>
-              <a:t>GameTime</a:t>
-            </a:r>
-            <a:r>
-              <a:rPr lang="ja-JP" altLang="en-US" sz="2400" dirty="0" smtClean="0">
-                <a:latin typeface="HGS明朝E"/>
-                <a:ea typeface="HGS明朝E"/>
-                <a:cs typeface="HGS明朝E"/>
-              </a:rPr>
-              <a:t>クラスを別で作り、それで管理している</a:t>
-            </a:r>
-            <a:r>
               <a:rPr lang="ja-JP" altLang="en-US" dirty="0" smtClean="0">
                 <a:latin typeface="HGS明朝E"/>
                 <a:ea typeface="HGS明朝E"/>
                 <a:cs typeface="HGS明朝E"/>
               </a:rPr>
-              <a:t>。</a:t>
+              <a:t>試合時間は</a:t>
+            </a:r>
+            <a:r>
+              <a:rPr lang="en-US" altLang="ja-JP" dirty="0" err="1" smtClean="0">
+                <a:latin typeface="HGS明朝E"/>
+                <a:ea typeface="HGS明朝E"/>
+                <a:cs typeface="HGS明朝E"/>
+              </a:rPr>
+              <a:t>GameTime</a:t>
+            </a:r>
+            <a:r>
+              <a:rPr lang="ja-JP" altLang="en-US" dirty="0" smtClean="0">
+                <a:latin typeface="HGS明朝E"/>
+                <a:ea typeface="HGS明朝E"/>
+                <a:cs typeface="HGS明朝E"/>
+              </a:rPr>
+              <a:t>クラスを別で作り、それで管理している。</a:t>
             </a:r>
             <a:endParaRPr lang="en-US" altLang="ja-JP" dirty="0" smtClean="0">
               <a:latin typeface="HGS明朝E"/>
@@ -6267,7 +6259,7 @@
         <p:spPr>
           <a:xfrm>
             <a:off x="479376" y="3474586"/>
-            <a:ext cx="10585176" cy="3182410"/>
+            <a:ext cx="10585176" cy="3108544"/>
           </a:xfrm>
           <a:prstGeom prst="rect">
             <a:avLst/>
@@ -6281,14 +6273,11 @@
           <a:lstStyle/>
           <a:p>
             <a:pPr marL="285750" indent="-285750">
-              <a:lnSpc>
-                <a:spcPct val="120000"/>
-              </a:lnSpc>
               <a:buFont typeface="Arial"/>
               <a:buChar char="•"/>
             </a:pPr>
             <a:r>
-              <a:rPr kumimoji="1" lang="en-US" altLang="ja-JP" sz="2400" dirty="0" err="1" smtClean="0">
+              <a:rPr kumimoji="1" lang="en-US" altLang="ja-JP" sz="2800" dirty="0" err="1" smtClean="0">
                 <a:latin typeface="HGS明朝E"/>
                 <a:ea typeface="HGS明朝E"/>
                 <a:cs typeface="HGS明朝E"/>
@@ -6296,7 +6285,7 @@
               <a:t>UECFighter</a:t>
             </a:r>
             <a:r>
-              <a:rPr kumimoji="1" lang="ja-JP" altLang="en-US" sz="2400" dirty="0" smtClean="0">
+              <a:rPr kumimoji="1" lang="ja-JP" altLang="en-US" sz="2800" dirty="0" smtClean="0">
                 <a:latin typeface="HGS明朝E"/>
                 <a:ea typeface="HGS明朝E"/>
                 <a:cs typeface="HGS明朝E"/>
@@ -6304,14 +6293,14 @@
               <a:t>クラスでは、シーンの切り替えや、</a:t>
             </a:r>
             <a:r>
-              <a:rPr lang="ja-JP" altLang="en-US" sz="2400" dirty="0" smtClean="0">
+              <a:rPr lang="ja-JP" altLang="en-US" sz="2800" dirty="0" smtClean="0">
                 <a:latin typeface="HGS明朝E"/>
                 <a:ea typeface="HGS明朝E"/>
                 <a:cs typeface="HGS明朝E"/>
               </a:rPr>
               <a:t>キー入力を管理している。</a:t>
             </a:r>
-            <a:endParaRPr lang="en-US" altLang="ja-JP" sz="2400" dirty="0" smtClean="0">
+            <a:endParaRPr lang="en-US" altLang="ja-JP" sz="2800" dirty="0" smtClean="0">
               <a:latin typeface="HGS明朝E"/>
               <a:ea typeface="HGS明朝E"/>
               <a:cs typeface="HGS明朝E"/>
@@ -6319,14 +6308,11 @@
           </a:p>
           <a:p>
             <a:pPr marL="285750" indent="-285750">
-              <a:lnSpc>
-                <a:spcPct val="120000"/>
-              </a:lnSpc>
               <a:buFont typeface="Arial"/>
               <a:buChar char="•"/>
             </a:pPr>
             <a:r>
-              <a:rPr kumimoji="1" lang="ja-JP" altLang="en-US" sz="2400" dirty="0" smtClean="0">
+              <a:rPr kumimoji="1" lang="ja-JP" altLang="en-US" sz="2800" dirty="0" smtClean="0">
                 <a:latin typeface="HGS明朝E"/>
                 <a:ea typeface="HGS明朝E"/>
                 <a:cs typeface="HGS明朝E"/>
@@ -6334,7 +6320,7 @@
               <a:t>シーンの切り替えは</a:t>
             </a:r>
             <a:r>
-              <a:rPr kumimoji="1" lang="en-US" altLang="ja-JP" sz="2400" dirty="0" err="1" smtClean="0">
+              <a:rPr kumimoji="1" lang="en-US" altLang="ja-JP" sz="2800" dirty="0" err="1" smtClean="0">
                 <a:latin typeface="HGS明朝E"/>
                 <a:ea typeface="HGS明朝E"/>
                 <a:cs typeface="HGS明朝E"/>
@@ -6342,7 +6328,7 @@
               <a:t>callScene</a:t>
             </a:r>
             <a:r>
-              <a:rPr kumimoji="1" lang="en-US" altLang="ja-JP" sz="2400" dirty="0" smtClean="0">
+              <a:rPr kumimoji="1" lang="en-US" altLang="ja-JP" sz="2800" dirty="0" smtClean="0">
                 <a:latin typeface="HGS明朝E"/>
                 <a:ea typeface="HGS明朝E"/>
                 <a:cs typeface="HGS明朝E"/>
@@ -6350,7 +6336,7 @@
               <a:t>(</a:t>
             </a:r>
             <a:r>
-              <a:rPr kumimoji="1" lang="en-US" altLang="ja-JP" sz="2400" dirty="0" err="1" smtClean="0">
+              <a:rPr kumimoji="1" lang="en-US" altLang="ja-JP" sz="2800" dirty="0" err="1" smtClean="0">
                 <a:latin typeface="HGS明朝E"/>
                 <a:ea typeface="HGS明朝E"/>
                 <a:cs typeface="HGS明朝E"/>
@@ -6358,7 +6344,7 @@
               <a:t>int</a:t>
             </a:r>
             <a:r>
-              <a:rPr kumimoji="1" lang="en-US" altLang="ja-JP" sz="2400" dirty="0" smtClean="0">
+              <a:rPr kumimoji="1" lang="en-US" altLang="ja-JP" sz="2800" dirty="0" smtClean="0">
                 <a:latin typeface="HGS明朝E"/>
                 <a:ea typeface="HGS明朝E"/>
                 <a:cs typeface="HGS明朝E"/>
@@ -6366,7 +6352,7 @@
               <a:t> scene)</a:t>
             </a:r>
             <a:r>
-              <a:rPr kumimoji="1" lang="ja-JP" altLang="en-US" sz="2400" dirty="0" smtClean="0">
+              <a:rPr kumimoji="1" lang="ja-JP" altLang="en-US" sz="2800" dirty="0" smtClean="0">
                 <a:latin typeface="HGS明朝E"/>
                 <a:ea typeface="HGS明朝E"/>
                 <a:cs typeface="HGS明朝E"/>
@@ -6374,7 +6360,7 @@
               <a:t>メソッドを用意して</a:t>
             </a:r>
             <a:r>
-              <a:rPr lang="en-US" altLang="ja-JP" sz="2400" dirty="0" smtClean="0">
+              <a:rPr lang="en-US" altLang="ja-JP" sz="2800" dirty="0" smtClean="0">
                 <a:latin typeface="HGS明朝E"/>
                 <a:ea typeface="HGS明朝E"/>
                 <a:cs typeface="HGS明朝E"/>
@@ -6382,14 +6368,14 @@
               <a:t>scene</a:t>
             </a:r>
             <a:r>
-              <a:rPr lang="ja-JP" altLang="en-US" sz="2400" dirty="0" smtClean="0">
+              <a:rPr lang="ja-JP" altLang="en-US" sz="2800" dirty="0" smtClean="0">
                 <a:latin typeface="HGS明朝E"/>
                 <a:ea typeface="HGS明朝E"/>
                 <a:cs typeface="HGS明朝E"/>
               </a:rPr>
               <a:t>によって描画するシーンのクラスを呼び出すようにしている。</a:t>
             </a:r>
-            <a:endParaRPr lang="en-US" altLang="ja-JP" sz="2400" dirty="0" smtClean="0">
+            <a:endParaRPr lang="en-US" altLang="ja-JP" sz="2800" dirty="0" smtClean="0">
               <a:latin typeface="HGS明朝E"/>
               <a:ea typeface="HGS明朝E"/>
               <a:cs typeface="HGS明朝E"/>
@@ -6397,123 +6383,58 @@
           </a:p>
           <a:p>
             <a:pPr marL="285750" indent="-285750">
-              <a:lnSpc>
-                <a:spcPct val="120000"/>
-              </a:lnSpc>
               <a:buFont typeface="Arial"/>
               <a:buChar char="•"/>
             </a:pPr>
             <a:r>
-              <a:rPr lang="en-US" altLang="ja-JP" sz="2400" dirty="0" err="1" smtClean="0">
+              <a:rPr kumimoji="1" lang="ja-JP" altLang="en-US" sz="2800" dirty="0" smtClean="0">
                 <a:latin typeface="HGS明朝E"/>
                 <a:ea typeface="HGS明朝E"/>
                 <a:cs typeface="HGS明朝E"/>
               </a:rPr>
-              <a:t>keyListener</a:t>
-            </a:r>
-            <a:r>
-              <a:rPr lang="ja-JP" altLang="en-US" sz="2400" dirty="0" smtClean="0">
+              <a:t>種々</a:t>
+            </a:r>
+            <a:r>
+              <a:rPr kumimoji="1" lang="ja-JP" altLang="en-US" sz="2800" dirty="0" smtClean="0">
                 <a:latin typeface="HGS明朝E"/>
                 <a:ea typeface="HGS明朝E"/>
                 <a:cs typeface="HGS明朝E"/>
               </a:rPr>
-              <a:t>は本当はそれぞれのクラスに実装するつもりだったが、</a:t>
-            </a:r>
-            <a:r>
-              <a:rPr lang="en-US" altLang="ja-JP" sz="2400" dirty="0" smtClean="0">
+              <a:t>の設定をする</a:t>
+            </a:r>
+            <a:r>
+              <a:rPr kumimoji="1" lang="en-US" altLang="ja-JP" sz="2800" dirty="0" smtClean="0">
                 <a:latin typeface="HGS明朝E"/>
                 <a:ea typeface="HGS明朝E"/>
                 <a:cs typeface="HGS明朝E"/>
               </a:rPr>
-              <a:t>Focusable</a:t>
-            </a:r>
-            <a:r>
-              <a:rPr lang="ja-JP" altLang="en-US" sz="2400" dirty="0" smtClean="0">
+              <a:t>Option</a:t>
+            </a:r>
+            <a:r>
+              <a:rPr kumimoji="1" lang="ja-JP" altLang="en-US" sz="2800" dirty="0" smtClean="0">
                 <a:latin typeface="HGS明朝E"/>
                 <a:ea typeface="HGS明朝E"/>
                 <a:cs typeface="HGS明朝E"/>
               </a:rPr>
-              <a:t>という概念でつまづいたため断念し、</a:t>
-            </a:r>
-            <a:r>
-              <a:rPr lang="ja-JP" altLang="ja-JP" sz="2400" dirty="0" smtClean="0">
+              <a:t>クラスと、</a:t>
+            </a:r>
+            <a:r>
+              <a:rPr kumimoji="1" lang="en-US" altLang="ja-JP" sz="2800" dirty="0" smtClean="0">
                 <a:latin typeface="HGS明朝E"/>
                 <a:ea typeface="HGS明朝E"/>
                 <a:cs typeface="HGS明朝E"/>
               </a:rPr>
-              <a:t>U</a:t>
-            </a:r>
-            <a:r>
-              <a:rPr lang="en-US" altLang="ja-JP" sz="2400" dirty="0" err="1" smtClean="0">
+              <a:t>Scene</a:t>
+            </a:r>
+            <a:r>
+              <a:rPr kumimoji="1" lang="ja-JP" altLang="en-US" sz="2800" dirty="0" smtClean="0">
                 <a:latin typeface="HGS明朝E"/>
                 <a:ea typeface="HGS明朝E"/>
                 <a:cs typeface="HGS明朝E"/>
               </a:rPr>
-              <a:t>ECFighter</a:t>
-            </a:r>
-            <a:r>
-              <a:rPr lang="ja-JP" altLang="en-US" sz="2400" dirty="0" smtClean="0">
-                <a:latin typeface="HGS明朝E"/>
-                <a:ea typeface="HGS明朝E"/>
-                <a:cs typeface="HGS明朝E"/>
-              </a:rPr>
-              <a:t>に実装した。</a:t>
-            </a:r>
-            <a:endParaRPr lang="en-US" altLang="ja-JP" sz="2400" dirty="0" smtClean="0">
-              <a:latin typeface="HGS明朝E"/>
-              <a:ea typeface="HGS明朝E"/>
-              <a:cs typeface="HGS明朝E"/>
-            </a:endParaRPr>
-          </a:p>
-          <a:p>
-            <a:pPr marL="285750" indent="-285750">
-              <a:lnSpc>
-                <a:spcPct val="120000"/>
-              </a:lnSpc>
-              <a:buFont typeface="Arial"/>
-              <a:buChar char="•"/>
-            </a:pPr>
-            <a:r>
-              <a:rPr kumimoji="1" lang="ja-JP" altLang="en-US" sz="2400" dirty="0" smtClean="0">
-                <a:latin typeface="HGS明朝E"/>
-                <a:ea typeface="HGS明朝E"/>
-                <a:cs typeface="HGS明朝E"/>
-              </a:rPr>
-              <a:t>種々の設定をする</a:t>
-            </a:r>
-            <a:r>
-              <a:rPr kumimoji="1" lang="en-US" altLang="ja-JP" sz="2400" dirty="0" smtClean="0">
-                <a:latin typeface="HGS明朝E"/>
-                <a:ea typeface="HGS明朝E"/>
-                <a:cs typeface="HGS明朝E"/>
-              </a:rPr>
-              <a:t>Option</a:t>
-            </a:r>
-            <a:r>
-              <a:rPr kumimoji="1" lang="ja-JP" altLang="en-US" sz="2400" dirty="0" smtClean="0">
-                <a:latin typeface="HGS明朝E"/>
-                <a:ea typeface="HGS明朝E"/>
-                <a:cs typeface="HGS明朝E"/>
-              </a:rPr>
-              <a:t>クラスと、</a:t>
-            </a:r>
-            <a:r>
-              <a:rPr kumimoji="1" lang="en-US" altLang="ja-JP" sz="2400" dirty="0" smtClean="0">
-                <a:latin typeface="HGS明朝E"/>
-                <a:ea typeface="HGS明朝E"/>
-                <a:cs typeface="HGS明朝E"/>
-              </a:rPr>
-              <a:t>Scene</a:t>
-            </a:r>
-            <a:r>
-              <a:rPr kumimoji="1" lang="ja-JP" altLang="en-US" sz="2400" dirty="0" smtClean="0">
-                <a:latin typeface="HGS明朝E"/>
-                <a:ea typeface="HGS明朝E"/>
-                <a:cs typeface="HGS明朝E"/>
-              </a:rPr>
               <a:t>を戻るキャンセル操作が未実装なので、これから実装したい。</a:t>
             </a:r>
-            <a:endParaRPr kumimoji="1" lang="ja-JP" altLang="en-US" sz="2400" dirty="0">
+            <a:endParaRPr kumimoji="1" lang="ja-JP" altLang="en-US" sz="2800" dirty="0">
               <a:latin typeface="HGS明朝E"/>
               <a:ea typeface="HGS明朝E"/>
               <a:cs typeface="HGS明朝E"/>
@@ -6872,7 +6793,7 @@
   <a:extraClrSchemeLst/>
   <a:extLst>
     <a:ext uri="{05A4C25C-085E-4340-85A3-A5531E510DB2}">
-      <thm15:themeFamily xmlns:thm15="http://schemas.microsoft.com/office/thememl/2012/main" xmlns="" name="Office Theme" id="{62F939B6-93AF-4DB8-9C6B-D6C7DFDC589F}" vid="{4F46216B-77A9-411A-B9D3-5023FCB70208}"/>
+      <thm15:themeFamily xmlns="" xmlns:thm15="http://schemas.microsoft.com/office/thememl/2012/main" name="Office Theme" id="{62F939B6-93AF-4DB8-9C6B-D6C7DFDC589F}" vid="{4F46216B-77A9-411A-B9D3-5023FCB70208}"/>
     </a:ext>
   </a:extLst>
 </a:theme>
@@ -7133,7 +7054,7 @@
   <a:extraClrSchemeLst/>
   <a:extLst>
     <a:ext uri="{05A4C25C-085E-4340-85A3-A5531E510DB2}">
-      <thm15:themeFamily xmlns:thm15="http://schemas.microsoft.com/office/thememl/2012/main" xmlns="" name="Office Theme" id="{62F939B6-93AF-4DB8-9C6B-D6C7DFDC589F}" vid="{4A3C46E8-61CC-4603-A589-7422A47A8E4A}"/>
+      <thm15:themeFamily xmlns="" xmlns:thm15="http://schemas.microsoft.com/office/thememl/2012/main" name="Office Theme" id="{62F939B6-93AF-4DB8-9C6B-D6C7DFDC589F}" vid="{4A3C46E8-61CC-4603-A589-7422A47A8E4A}"/>
     </a:ext>
   </a:extLst>
 </a:theme>
